--- a/Hira samihafa/Ny vavaka manova zavatra.pptx
+++ b/Hira samihafa/Ny vavaka manova zavatra.pptx
@@ -140,7 +140,7 @@
           <p:cNvPr id="2" name="Titre 1">
             <a:extLst>
               <a:ext uri="{FF2B5EF4-FFF2-40B4-BE49-F238E27FC236}">
-                <a16:creationId xmlns:a16="http://schemas.microsoft.com/office/drawing/2014/main" id="{D0E77F5A-6BB1-ECF9-EC58-C32E6FE48C02}"/>
+                <a16:creationId xmlns="" xmlns:a16="http://schemas.microsoft.com/office/drawing/2014/main" id="{D0E77F5A-6BB1-ECF9-EC58-C32E6FE48C02}"/>
               </a:ext>
             </a:extLst>
           </p:cNvPr>
@@ -177,7 +177,7 @@
           <p:cNvPr id="3" name="Sous-titre 2">
             <a:extLst>
               <a:ext uri="{FF2B5EF4-FFF2-40B4-BE49-F238E27FC236}">
-                <a16:creationId xmlns:a16="http://schemas.microsoft.com/office/drawing/2014/main" id="{39A8734D-6A9E-6BAC-FCDA-EFF70F516B9A}"/>
+                <a16:creationId xmlns="" xmlns:a16="http://schemas.microsoft.com/office/drawing/2014/main" id="{39A8734D-6A9E-6BAC-FCDA-EFF70F516B9A}"/>
               </a:ext>
             </a:extLst>
           </p:cNvPr>
@@ -247,7 +247,7 @@
           <p:cNvPr id="4" name="Espace réservé de la date 3">
             <a:extLst>
               <a:ext uri="{FF2B5EF4-FFF2-40B4-BE49-F238E27FC236}">
-                <a16:creationId xmlns:a16="http://schemas.microsoft.com/office/drawing/2014/main" id="{F641E9AF-11BD-3C4D-04F2-5C2BD0D58B2F}"/>
+                <a16:creationId xmlns="" xmlns:a16="http://schemas.microsoft.com/office/drawing/2014/main" id="{F641E9AF-11BD-3C4D-04F2-5C2BD0D58B2F}"/>
               </a:ext>
             </a:extLst>
           </p:cNvPr>
@@ -265,7 +265,7 @@
           <a:p>
             <a:fld id="{9753BC72-5998-4B28-B41A-9B7A35260532}" type="datetimeFigureOut">
               <a:rPr lang="fr-FR" smtClean="0"/>
-              <a:t>09/06/2024</a:t>
+              <a:t>09/11/2025</a:t>
             </a:fld>
             <a:endParaRPr lang="fr-FR"/>
           </a:p>
@@ -276,7 +276,7 @@
           <p:cNvPr id="5" name="Espace réservé du pied de page 4">
             <a:extLst>
               <a:ext uri="{FF2B5EF4-FFF2-40B4-BE49-F238E27FC236}">
-                <a16:creationId xmlns:a16="http://schemas.microsoft.com/office/drawing/2014/main" id="{709A812A-04E7-C3BC-5E2C-75307D3FD1D0}"/>
+                <a16:creationId xmlns="" xmlns:a16="http://schemas.microsoft.com/office/drawing/2014/main" id="{709A812A-04E7-C3BC-5E2C-75307D3FD1D0}"/>
               </a:ext>
             </a:extLst>
           </p:cNvPr>
@@ -301,7 +301,7 @@
           <p:cNvPr id="6" name="Espace réservé du numéro de diapositive 5">
             <a:extLst>
               <a:ext uri="{FF2B5EF4-FFF2-40B4-BE49-F238E27FC236}">
-                <a16:creationId xmlns:a16="http://schemas.microsoft.com/office/drawing/2014/main" id="{F79DCE09-0D71-CA58-F807-0C2A789F2B0C}"/>
+                <a16:creationId xmlns="" xmlns:a16="http://schemas.microsoft.com/office/drawing/2014/main" id="{F79DCE09-0D71-CA58-F807-0C2A789F2B0C}"/>
               </a:ext>
             </a:extLst>
           </p:cNvPr>
@@ -360,7 +360,7 @@
           <p:cNvPr id="2" name="Titre 1">
             <a:extLst>
               <a:ext uri="{FF2B5EF4-FFF2-40B4-BE49-F238E27FC236}">
-                <a16:creationId xmlns:a16="http://schemas.microsoft.com/office/drawing/2014/main" id="{F185F95A-A331-6C78-437D-AB69D70C9136}"/>
+                <a16:creationId xmlns="" xmlns:a16="http://schemas.microsoft.com/office/drawing/2014/main" id="{F185F95A-A331-6C78-437D-AB69D70C9136}"/>
               </a:ext>
             </a:extLst>
           </p:cNvPr>
@@ -388,7 +388,7 @@
           <p:cNvPr id="3" name="Espace réservé du texte vertical 2">
             <a:extLst>
               <a:ext uri="{FF2B5EF4-FFF2-40B4-BE49-F238E27FC236}">
-                <a16:creationId xmlns:a16="http://schemas.microsoft.com/office/drawing/2014/main" id="{3AA9C756-1AFB-2C64-5BA1-F7F5F36F3C0D}"/>
+                <a16:creationId xmlns="" xmlns:a16="http://schemas.microsoft.com/office/drawing/2014/main" id="{3AA9C756-1AFB-2C64-5BA1-F7F5F36F3C0D}"/>
               </a:ext>
             </a:extLst>
           </p:cNvPr>
@@ -445,7 +445,7 @@
           <p:cNvPr id="4" name="Espace réservé de la date 3">
             <a:extLst>
               <a:ext uri="{FF2B5EF4-FFF2-40B4-BE49-F238E27FC236}">
-                <a16:creationId xmlns:a16="http://schemas.microsoft.com/office/drawing/2014/main" id="{8A9CE76D-A2C7-338D-BF9F-8E6DDAB022ED}"/>
+                <a16:creationId xmlns="" xmlns:a16="http://schemas.microsoft.com/office/drawing/2014/main" id="{8A9CE76D-A2C7-338D-BF9F-8E6DDAB022ED}"/>
               </a:ext>
             </a:extLst>
           </p:cNvPr>
@@ -463,7 +463,7 @@
           <a:p>
             <a:fld id="{9753BC72-5998-4B28-B41A-9B7A35260532}" type="datetimeFigureOut">
               <a:rPr lang="fr-FR" smtClean="0"/>
-              <a:t>09/06/2024</a:t>
+              <a:t>09/11/2025</a:t>
             </a:fld>
             <a:endParaRPr lang="fr-FR"/>
           </a:p>
@@ -474,7 +474,7 @@
           <p:cNvPr id="5" name="Espace réservé du pied de page 4">
             <a:extLst>
               <a:ext uri="{FF2B5EF4-FFF2-40B4-BE49-F238E27FC236}">
-                <a16:creationId xmlns:a16="http://schemas.microsoft.com/office/drawing/2014/main" id="{61E9A79E-B973-F606-C3F3-2C52B0C130E5}"/>
+                <a16:creationId xmlns="" xmlns:a16="http://schemas.microsoft.com/office/drawing/2014/main" id="{61E9A79E-B973-F606-C3F3-2C52B0C130E5}"/>
               </a:ext>
             </a:extLst>
           </p:cNvPr>
@@ -499,7 +499,7 @@
           <p:cNvPr id="6" name="Espace réservé du numéro de diapositive 5">
             <a:extLst>
               <a:ext uri="{FF2B5EF4-FFF2-40B4-BE49-F238E27FC236}">
-                <a16:creationId xmlns:a16="http://schemas.microsoft.com/office/drawing/2014/main" id="{261BCA4A-2922-D18C-2D46-8ECEC8189EF6}"/>
+                <a16:creationId xmlns="" xmlns:a16="http://schemas.microsoft.com/office/drawing/2014/main" id="{261BCA4A-2922-D18C-2D46-8ECEC8189EF6}"/>
               </a:ext>
             </a:extLst>
           </p:cNvPr>
@@ -558,7 +558,7 @@
           <p:cNvPr id="2" name="Titre vertical 1">
             <a:extLst>
               <a:ext uri="{FF2B5EF4-FFF2-40B4-BE49-F238E27FC236}">
-                <a16:creationId xmlns:a16="http://schemas.microsoft.com/office/drawing/2014/main" id="{0737F2A0-D003-396E-C2D3-544CFE798CA2}"/>
+                <a16:creationId xmlns="" xmlns:a16="http://schemas.microsoft.com/office/drawing/2014/main" id="{0737F2A0-D003-396E-C2D3-544CFE798CA2}"/>
               </a:ext>
             </a:extLst>
           </p:cNvPr>
@@ -591,7 +591,7 @@
           <p:cNvPr id="3" name="Espace réservé du texte vertical 2">
             <a:extLst>
               <a:ext uri="{FF2B5EF4-FFF2-40B4-BE49-F238E27FC236}">
-                <a16:creationId xmlns:a16="http://schemas.microsoft.com/office/drawing/2014/main" id="{E85F3D9A-77D8-EE0D-F22F-971EBC615578}"/>
+                <a16:creationId xmlns="" xmlns:a16="http://schemas.microsoft.com/office/drawing/2014/main" id="{E85F3D9A-77D8-EE0D-F22F-971EBC615578}"/>
               </a:ext>
             </a:extLst>
           </p:cNvPr>
@@ -653,7 +653,7 @@
           <p:cNvPr id="4" name="Espace réservé de la date 3">
             <a:extLst>
               <a:ext uri="{FF2B5EF4-FFF2-40B4-BE49-F238E27FC236}">
-                <a16:creationId xmlns:a16="http://schemas.microsoft.com/office/drawing/2014/main" id="{DB30AEA2-4E42-01A9-5425-F1AD38C1C8D2}"/>
+                <a16:creationId xmlns="" xmlns:a16="http://schemas.microsoft.com/office/drawing/2014/main" id="{DB30AEA2-4E42-01A9-5425-F1AD38C1C8D2}"/>
               </a:ext>
             </a:extLst>
           </p:cNvPr>
@@ -671,7 +671,7 @@
           <a:p>
             <a:fld id="{9753BC72-5998-4B28-B41A-9B7A35260532}" type="datetimeFigureOut">
               <a:rPr lang="fr-FR" smtClean="0"/>
-              <a:t>09/06/2024</a:t>
+              <a:t>09/11/2025</a:t>
             </a:fld>
             <a:endParaRPr lang="fr-FR"/>
           </a:p>
@@ -682,7 +682,7 @@
           <p:cNvPr id="5" name="Espace réservé du pied de page 4">
             <a:extLst>
               <a:ext uri="{FF2B5EF4-FFF2-40B4-BE49-F238E27FC236}">
-                <a16:creationId xmlns:a16="http://schemas.microsoft.com/office/drawing/2014/main" id="{89017DD9-5796-4B5E-5EDC-78AAFE65A1D6}"/>
+                <a16:creationId xmlns="" xmlns:a16="http://schemas.microsoft.com/office/drawing/2014/main" id="{89017DD9-5796-4B5E-5EDC-78AAFE65A1D6}"/>
               </a:ext>
             </a:extLst>
           </p:cNvPr>
@@ -707,7 +707,7 @@
           <p:cNvPr id="6" name="Espace réservé du numéro de diapositive 5">
             <a:extLst>
               <a:ext uri="{FF2B5EF4-FFF2-40B4-BE49-F238E27FC236}">
-                <a16:creationId xmlns:a16="http://schemas.microsoft.com/office/drawing/2014/main" id="{C40BF21E-381C-EC68-DC4F-02DA3473F46B}"/>
+                <a16:creationId xmlns="" xmlns:a16="http://schemas.microsoft.com/office/drawing/2014/main" id="{C40BF21E-381C-EC68-DC4F-02DA3473F46B}"/>
               </a:ext>
             </a:extLst>
           </p:cNvPr>
@@ -766,7 +766,7 @@
           <p:cNvPr id="2" name="Titre 1">
             <a:extLst>
               <a:ext uri="{FF2B5EF4-FFF2-40B4-BE49-F238E27FC236}">
-                <a16:creationId xmlns:a16="http://schemas.microsoft.com/office/drawing/2014/main" id="{8704EC21-BC36-3E32-E426-8A40A497E4F5}"/>
+                <a16:creationId xmlns="" xmlns:a16="http://schemas.microsoft.com/office/drawing/2014/main" id="{8704EC21-BC36-3E32-E426-8A40A497E4F5}"/>
               </a:ext>
             </a:extLst>
           </p:cNvPr>
@@ -794,7 +794,7 @@
           <p:cNvPr id="3" name="Espace réservé du contenu 2">
             <a:extLst>
               <a:ext uri="{FF2B5EF4-FFF2-40B4-BE49-F238E27FC236}">
-                <a16:creationId xmlns:a16="http://schemas.microsoft.com/office/drawing/2014/main" id="{42ECAD06-184D-9BD9-1C83-624F8A11DEB9}"/>
+                <a16:creationId xmlns="" xmlns:a16="http://schemas.microsoft.com/office/drawing/2014/main" id="{42ECAD06-184D-9BD9-1C83-624F8A11DEB9}"/>
               </a:ext>
             </a:extLst>
           </p:cNvPr>
@@ -851,7 +851,7 @@
           <p:cNvPr id="4" name="Espace réservé de la date 3">
             <a:extLst>
               <a:ext uri="{FF2B5EF4-FFF2-40B4-BE49-F238E27FC236}">
-                <a16:creationId xmlns:a16="http://schemas.microsoft.com/office/drawing/2014/main" id="{444D07D6-BBBD-F131-E69C-12681A8BB41D}"/>
+                <a16:creationId xmlns="" xmlns:a16="http://schemas.microsoft.com/office/drawing/2014/main" id="{444D07D6-BBBD-F131-E69C-12681A8BB41D}"/>
               </a:ext>
             </a:extLst>
           </p:cNvPr>
@@ -869,7 +869,7 @@
           <a:p>
             <a:fld id="{9753BC72-5998-4B28-B41A-9B7A35260532}" type="datetimeFigureOut">
               <a:rPr lang="fr-FR" smtClean="0"/>
-              <a:t>09/06/2024</a:t>
+              <a:t>09/11/2025</a:t>
             </a:fld>
             <a:endParaRPr lang="fr-FR"/>
           </a:p>
@@ -880,7 +880,7 @@
           <p:cNvPr id="5" name="Espace réservé du pied de page 4">
             <a:extLst>
               <a:ext uri="{FF2B5EF4-FFF2-40B4-BE49-F238E27FC236}">
-                <a16:creationId xmlns:a16="http://schemas.microsoft.com/office/drawing/2014/main" id="{62A31906-CBD0-ED91-43DF-91DDD56D7435}"/>
+                <a16:creationId xmlns="" xmlns:a16="http://schemas.microsoft.com/office/drawing/2014/main" id="{62A31906-CBD0-ED91-43DF-91DDD56D7435}"/>
               </a:ext>
             </a:extLst>
           </p:cNvPr>
@@ -905,7 +905,7 @@
           <p:cNvPr id="6" name="Espace réservé du numéro de diapositive 5">
             <a:extLst>
               <a:ext uri="{FF2B5EF4-FFF2-40B4-BE49-F238E27FC236}">
-                <a16:creationId xmlns:a16="http://schemas.microsoft.com/office/drawing/2014/main" id="{2A867D3A-E907-F9FB-B845-9322A16894AA}"/>
+                <a16:creationId xmlns="" xmlns:a16="http://schemas.microsoft.com/office/drawing/2014/main" id="{2A867D3A-E907-F9FB-B845-9322A16894AA}"/>
               </a:ext>
             </a:extLst>
           </p:cNvPr>
@@ -964,7 +964,7 @@
           <p:cNvPr id="2" name="Titre 1">
             <a:extLst>
               <a:ext uri="{FF2B5EF4-FFF2-40B4-BE49-F238E27FC236}">
-                <a16:creationId xmlns:a16="http://schemas.microsoft.com/office/drawing/2014/main" id="{BC6381E6-C805-658F-9311-357E5483CB5D}"/>
+                <a16:creationId xmlns="" xmlns:a16="http://schemas.microsoft.com/office/drawing/2014/main" id="{BC6381E6-C805-658F-9311-357E5483CB5D}"/>
               </a:ext>
             </a:extLst>
           </p:cNvPr>
@@ -1001,7 +1001,7 @@
           <p:cNvPr id="3" name="Espace réservé du texte 2">
             <a:extLst>
               <a:ext uri="{FF2B5EF4-FFF2-40B4-BE49-F238E27FC236}">
-                <a16:creationId xmlns:a16="http://schemas.microsoft.com/office/drawing/2014/main" id="{153F1C3C-867B-960A-3AA8-C1707BCF12FB}"/>
+                <a16:creationId xmlns="" xmlns:a16="http://schemas.microsoft.com/office/drawing/2014/main" id="{153F1C3C-867B-960A-3AA8-C1707BCF12FB}"/>
               </a:ext>
             </a:extLst>
           </p:cNvPr>
@@ -1126,7 +1126,7 @@
           <p:cNvPr id="4" name="Espace réservé de la date 3">
             <a:extLst>
               <a:ext uri="{FF2B5EF4-FFF2-40B4-BE49-F238E27FC236}">
-                <a16:creationId xmlns:a16="http://schemas.microsoft.com/office/drawing/2014/main" id="{B82191A2-E738-7C92-57B1-DF8A84C0C505}"/>
+                <a16:creationId xmlns="" xmlns:a16="http://schemas.microsoft.com/office/drawing/2014/main" id="{B82191A2-E738-7C92-57B1-DF8A84C0C505}"/>
               </a:ext>
             </a:extLst>
           </p:cNvPr>
@@ -1144,7 +1144,7 @@
           <a:p>
             <a:fld id="{9753BC72-5998-4B28-B41A-9B7A35260532}" type="datetimeFigureOut">
               <a:rPr lang="fr-FR" smtClean="0"/>
-              <a:t>09/06/2024</a:t>
+              <a:t>09/11/2025</a:t>
             </a:fld>
             <a:endParaRPr lang="fr-FR"/>
           </a:p>
@@ -1155,7 +1155,7 @@
           <p:cNvPr id="5" name="Espace réservé du pied de page 4">
             <a:extLst>
               <a:ext uri="{FF2B5EF4-FFF2-40B4-BE49-F238E27FC236}">
-                <a16:creationId xmlns:a16="http://schemas.microsoft.com/office/drawing/2014/main" id="{2EA645D3-5A40-C0E4-71B3-7D1A0F92C629}"/>
+                <a16:creationId xmlns="" xmlns:a16="http://schemas.microsoft.com/office/drawing/2014/main" id="{2EA645D3-5A40-C0E4-71B3-7D1A0F92C629}"/>
               </a:ext>
             </a:extLst>
           </p:cNvPr>
@@ -1180,7 +1180,7 @@
           <p:cNvPr id="6" name="Espace réservé du numéro de diapositive 5">
             <a:extLst>
               <a:ext uri="{FF2B5EF4-FFF2-40B4-BE49-F238E27FC236}">
-                <a16:creationId xmlns:a16="http://schemas.microsoft.com/office/drawing/2014/main" id="{B5BF6F61-0259-8B9E-1791-90AF5D100377}"/>
+                <a16:creationId xmlns="" xmlns:a16="http://schemas.microsoft.com/office/drawing/2014/main" id="{B5BF6F61-0259-8B9E-1791-90AF5D100377}"/>
               </a:ext>
             </a:extLst>
           </p:cNvPr>
@@ -1239,7 +1239,7 @@
           <p:cNvPr id="2" name="Titre 1">
             <a:extLst>
               <a:ext uri="{FF2B5EF4-FFF2-40B4-BE49-F238E27FC236}">
-                <a16:creationId xmlns:a16="http://schemas.microsoft.com/office/drawing/2014/main" id="{4BF8D611-AB05-48F0-A9B1-C69E552AFD64}"/>
+                <a16:creationId xmlns="" xmlns:a16="http://schemas.microsoft.com/office/drawing/2014/main" id="{4BF8D611-AB05-48F0-A9B1-C69E552AFD64}"/>
               </a:ext>
             </a:extLst>
           </p:cNvPr>
@@ -1267,7 +1267,7 @@
           <p:cNvPr id="3" name="Espace réservé du contenu 2">
             <a:extLst>
               <a:ext uri="{FF2B5EF4-FFF2-40B4-BE49-F238E27FC236}">
-                <a16:creationId xmlns:a16="http://schemas.microsoft.com/office/drawing/2014/main" id="{E5B90937-FB87-B701-FF5E-7FF8C55063C8}"/>
+                <a16:creationId xmlns="" xmlns:a16="http://schemas.microsoft.com/office/drawing/2014/main" id="{E5B90937-FB87-B701-FF5E-7FF8C55063C8}"/>
               </a:ext>
             </a:extLst>
           </p:cNvPr>
@@ -1329,7 +1329,7 @@
           <p:cNvPr id="4" name="Espace réservé du contenu 3">
             <a:extLst>
               <a:ext uri="{FF2B5EF4-FFF2-40B4-BE49-F238E27FC236}">
-                <a16:creationId xmlns:a16="http://schemas.microsoft.com/office/drawing/2014/main" id="{026AE100-994F-926A-89DA-B6552C6589C0}"/>
+                <a16:creationId xmlns="" xmlns:a16="http://schemas.microsoft.com/office/drawing/2014/main" id="{026AE100-994F-926A-89DA-B6552C6589C0}"/>
               </a:ext>
             </a:extLst>
           </p:cNvPr>
@@ -1391,7 +1391,7 @@
           <p:cNvPr id="5" name="Espace réservé de la date 4">
             <a:extLst>
               <a:ext uri="{FF2B5EF4-FFF2-40B4-BE49-F238E27FC236}">
-                <a16:creationId xmlns:a16="http://schemas.microsoft.com/office/drawing/2014/main" id="{680B9D91-D561-F1BF-AF3A-659368F1627A}"/>
+                <a16:creationId xmlns="" xmlns:a16="http://schemas.microsoft.com/office/drawing/2014/main" id="{680B9D91-D561-F1BF-AF3A-659368F1627A}"/>
               </a:ext>
             </a:extLst>
           </p:cNvPr>
@@ -1409,7 +1409,7 @@
           <a:p>
             <a:fld id="{9753BC72-5998-4B28-B41A-9B7A35260532}" type="datetimeFigureOut">
               <a:rPr lang="fr-FR" smtClean="0"/>
-              <a:t>09/06/2024</a:t>
+              <a:t>09/11/2025</a:t>
             </a:fld>
             <a:endParaRPr lang="fr-FR"/>
           </a:p>
@@ -1420,7 +1420,7 @@
           <p:cNvPr id="6" name="Espace réservé du pied de page 5">
             <a:extLst>
               <a:ext uri="{FF2B5EF4-FFF2-40B4-BE49-F238E27FC236}">
-                <a16:creationId xmlns:a16="http://schemas.microsoft.com/office/drawing/2014/main" id="{23F96264-482E-8161-56CE-251813FC19B2}"/>
+                <a16:creationId xmlns="" xmlns:a16="http://schemas.microsoft.com/office/drawing/2014/main" id="{23F96264-482E-8161-56CE-251813FC19B2}"/>
               </a:ext>
             </a:extLst>
           </p:cNvPr>
@@ -1445,7 +1445,7 @@
           <p:cNvPr id="7" name="Espace réservé du numéro de diapositive 6">
             <a:extLst>
               <a:ext uri="{FF2B5EF4-FFF2-40B4-BE49-F238E27FC236}">
-                <a16:creationId xmlns:a16="http://schemas.microsoft.com/office/drawing/2014/main" id="{DCB48018-F5A9-287A-73F4-92D7BB380950}"/>
+                <a16:creationId xmlns="" xmlns:a16="http://schemas.microsoft.com/office/drawing/2014/main" id="{DCB48018-F5A9-287A-73F4-92D7BB380950}"/>
               </a:ext>
             </a:extLst>
           </p:cNvPr>
@@ -1504,7 +1504,7 @@
           <p:cNvPr id="2" name="Titre 1">
             <a:extLst>
               <a:ext uri="{FF2B5EF4-FFF2-40B4-BE49-F238E27FC236}">
-                <a16:creationId xmlns:a16="http://schemas.microsoft.com/office/drawing/2014/main" id="{7AC391F8-9086-DA26-61A5-E97797AD3167}"/>
+                <a16:creationId xmlns="" xmlns:a16="http://schemas.microsoft.com/office/drawing/2014/main" id="{7AC391F8-9086-DA26-61A5-E97797AD3167}"/>
               </a:ext>
             </a:extLst>
           </p:cNvPr>
@@ -1537,7 +1537,7 @@
           <p:cNvPr id="3" name="Espace réservé du texte 2">
             <a:extLst>
               <a:ext uri="{FF2B5EF4-FFF2-40B4-BE49-F238E27FC236}">
-                <a16:creationId xmlns:a16="http://schemas.microsoft.com/office/drawing/2014/main" id="{C4384857-6DED-0196-0459-7B7943D29CEA}"/>
+                <a16:creationId xmlns="" xmlns:a16="http://schemas.microsoft.com/office/drawing/2014/main" id="{C4384857-6DED-0196-0459-7B7943D29CEA}"/>
               </a:ext>
             </a:extLst>
           </p:cNvPr>
@@ -1608,7 +1608,7 @@
           <p:cNvPr id="4" name="Espace réservé du contenu 3">
             <a:extLst>
               <a:ext uri="{FF2B5EF4-FFF2-40B4-BE49-F238E27FC236}">
-                <a16:creationId xmlns:a16="http://schemas.microsoft.com/office/drawing/2014/main" id="{7A83987F-B032-FDF4-ED55-8323FB4AA66D}"/>
+                <a16:creationId xmlns="" xmlns:a16="http://schemas.microsoft.com/office/drawing/2014/main" id="{7A83987F-B032-FDF4-ED55-8323FB4AA66D}"/>
               </a:ext>
             </a:extLst>
           </p:cNvPr>
@@ -1670,7 +1670,7 @@
           <p:cNvPr id="5" name="Espace réservé du texte 4">
             <a:extLst>
               <a:ext uri="{FF2B5EF4-FFF2-40B4-BE49-F238E27FC236}">
-                <a16:creationId xmlns:a16="http://schemas.microsoft.com/office/drawing/2014/main" id="{197DCFE2-D1B0-DFE7-A8D4-78324757909F}"/>
+                <a16:creationId xmlns="" xmlns:a16="http://schemas.microsoft.com/office/drawing/2014/main" id="{197DCFE2-D1B0-DFE7-A8D4-78324757909F}"/>
               </a:ext>
             </a:extLst>
           </p:cNvPr>
@@ -1741,7 +1741,7 @@
           <p:cNvPr id="6" name="Espace réservé du contenu 5">
             <a:extLst>
               <a:ext uri="{FF2B5EF4-FFF2-40B4-BE49-F238E27FC236}">
-                <a16:creationId xmlns:a16="http://schemas.microsoft.com/office/drawing/2014/main" id="{53BEEA29-A432-D01C-D461-C3E84FF7E3C0}"/>
+                <a16:creationId xmlns="" xmlns:a16="http://schemas.microsoft.com/office/drawing/2014/main" id="{53BEEA29-A432-D01C-D461-C3E84FF7E3C0}"/>
               </a:ext>
             </a:extLst>
           </p:cNvPr>
@@ -1803,7 +1803,7 @@
           <p:cNvPr id="7" name="Espace réservé de la date 6">
             <a:extLst>
               <a:ext uri="{FF2B5EF4-FFF2-40B4-BE49-F238E27FC236}">
-                <a16:creationId xmlns:a16="http://schemas.microsoft.com/office/drawing/2014/main" id="{4B999EC9-5AE8-1903-9066-591307B5755D}"/>
+                <a16:creationId xmlns="" xmlns:a16="http://schemas.microsoft.com/office/drawing/2014/main" id="{4B999EC9-5AE8-1903-9066-591307B5755D}"/>
               </a:ext>
             </a:extLst>
           </p:cNvPr>
@@ -1821,7 +1821,7 @@
           <a:p>
             <a:fld id="{9753BC72-5998-4B28-B41A-9B7A35260532}" type="datetimeFigureOut">
               <a:rPr lang="fr-FR" smtClean="0"/>
-              <a:t>09/06/2024</a:t>
+              <a:t>09/11/2025</a:t>
             </a:fld>
             <a:endParaRPr lang="fr-FR"/>
           </a:p>
@@ -1832,7 +1832,7 @@
           <p:cNvPr id="8" name="Espace réservé du pied de page 7">
             <a:extLst>
               <a:ext uri="{FF2B5EF4-FFF2-40B4-BE49-F238E27FC236}">
-                <a16:creationId xmlns:a16="http://schemas.microsoft.com/office/drawing/2014/main" id="{CA433D21-685E-27F6-9221-37375392B529}"/>
+                <a16:creationId xmlns="" xmlns:a16="http://schemas.microsoft.com/office/drawing/2014/main" id="{CA433D21-685E-27F6-9221-37375392B529}"/>
               </a:ext>
             </a:extLst>
           </p:cNvPr>
@@ -1857,7 +1857,7 @@
           <p:cNvPr id="9" name="Espace réservé du numéro de diapositive 8">
             <a:extLst>
               <a:ext uri="{FF2B5EF4-FFF2-40B4-BE49-F238E27FC236}">
-                <a16:creationId xmlns:a16="http://schemas.microsoft.com/office/drawing/2014/main" id="{5EC78D9D-6413-F93C-6C93-BF2BA28F2C65}"/>
+                <a16:creationId xmlns="" xmlns:a16="http://schemas.microsoft.com/office/drawing/2014/main" id="{5EC78D9D-6413-F93C-6C93-BF2BA28F2C65}"/>
               </a:ext>
             </a:extLst>
           </p:cNvPr>
@@ -1916,7 +1916,7 @@
           <p:cNvPr id="2" name="Titre 1">
             <a:extLst>
               <a:ext uri="{FF2B5EF4-FFF2-40B4-BE49-F238E27FC236}">
-                <a16:creationId xmlns:a16="http://schemas.microsoft.com/office/drawing/2014/main" id="{27BDF2C7-E5F8-C76B-7AE3-071BAFED5ACB}"/>
+                <a16:creationId xmlns="" xmlns:a16="http://schemas.microsoft.com/office/drawing/2014/main" id="{27BDF2C7-E5F8-C76B-7AE3-071BAFED5ACB}"/>
               </a:ext>
             </a:extLst>
           </p:cNvPr>
@@ -1944,7 +1944,7 @@
           <p:cNvPr id="3" name="Espace réservé de la date 2">
             <a:extLst>
               <a:ext uri="{FF2B5EF4-FFF2-40B4-BE49-F238E27FC236}">
-                <a16:creationId xmlns:a16="http://schemas.microsoft.com/office/drawing/2014/main" id="{A709E949-17A1-49B8-0BE2-0D0F7E3F8697}"/>
+                <a16:creationId xmlns="" xmlns:a16="http://schemas.microsoft.com/office/drawing/2014/main" id="{A709E949-17A1-49B8-0BE2-0D0F7E3F8697}"/>
               </a:ext>
             </a:extLst>
           </p:cNvPr>
@@ -1962,7 +1962,7 @@
           <a:p>
             <a:fld id="{9753BC72-5998-4B28-B41A-9B7A35260532}" type="datetimeFigureOut">
               <a:rPr lang="fr-FR" smtClean="0"/>
-              <a:t>09/06/2024</a:t>
+              <a:t>09/11/2025</a:t>
             </a:fld>
             <a:endParaRPr lang="fr-FR"/>
           </a:p>
@@ -1973,7 +1973,7 @@
           <p:cNvPr id="4" name="Espace réservé du pied de page 3">
             <a:extLst>
               <a:ext uri="{FF2B5EF4-FFF2-40B4-BE49-F238E27FC236}">
-                <a16:creationId xmlns:a16="http://schemas.microsoft.com/office/drawing/2014/main" id="{8C79B69D-A955-90F9-4BDD-9F916AF80C77}"/>
+                <a16:creationId xmlns="" xmlns:a16="http://schemas.microsoft.com/office/drawing/2014/main" id="{8C79B69D-A955-90F9-4BDD-9F916AF80C77}"/>
               </a:ext>
             </a:extLst>
           </p:cNvPr>
@@ -1998,7 +1998,7 @@
           <p:cNvPr id="5" name="Espace réservé du numéro de diapositive 4">
             <a:extLst>
               <a:ext uri="{FF2B5EF4-FFF2-40B4-BE49-F238E27FC236}">
-                <a16:creationId xmlns:a16="http://schemas.microsoft.com/office/drawing/2014/main" id="{9810F4B0-4B4A-2B97-B54C-CFF6141C3712}"/>
+                <a16:creationId xmlns="" xmlns:a16="http://schemas.microsoft.com/office/drawing/2014/main" id="{9810F4B0-4B4A-2B97-B54C-CFF6141C3712}"/>
               </a:ext>
             </a:extLst>
           </p:cNvPr>
@@ -2057,7 +2057,7 @@
           <p:cNvPr id="2" name="Espace réservé de la date 1">
             <a:extLst>
               <a:ext uri="{FF2B5EF4-FFF2-40B4-BE49-F238E27FC236}">
-                <a16:creationId xmlns:a16="http://schemas.microsoft.com/office/drawing/2014/main" id="{B57D576A-A4B3-C4C8-4A7C-9B5B47AB8DF7}"/>
+                <a16:creationId xmlns="" xmlns:a16="http://schemas.microsoft.com/office/drawing/2014/main" id="{B57D576A-A4B3-C4C8-4A7C-9B5B47AB8DF7}"/>
               </a:ext>
             </a:extLst>
           </p:cNvPr>
@@ -2075,7 +2075,7 @@
           <a:p>
             <a:fld id="{9753BC72-5998-4B28-B41A-9B7A35260532}" type="datetimeFigureOut">
               <a:rPr lang="fr-FR" smtClean="0"/>
-              <a:t>09/06/2024</a:t>
+              <a:t>09/11/2025</a:t>
             </a:fld>
             <a:endParaRPr lang="fr-FR"/>
           </a:p>
@@ -2086,7 +2086,7 @@
           <p:cNvPr id="3" name="Espace réservé du pied de page 2">
             <a:extLst>
               <a:ext uri="{FF2B5EF4-FFF2-40B4-BE49-F238E27FC236}">
-                <a16:creationId xmlns:a16="http://schemas.microsoft.com/office/drawing/2014/main" id="{517E85A6-3553-8CC5-FA53-21D6902BA459}"/>
+                <a16:creationId xmlns="" xmlns:a16="http://schemas.microsoft.com/office/drawing/2014/main" id="{517E85A6-3553-8CC5-FA53-21D6902BA459}"/>
               </a:ext>
             </a:extLst>
           </p:cNvPr>
@@ -2111,7 +2111,7 @@
           <p:cNvPr id="4" name="Espace réservé du numéro de diapositive 3">
             <a:extLst>
               <a:ext uri="{FF2B5EF4-FFF2-40B4-BE49-F238E27FC236}">
-                <a16:creationId xmlns:a16="http://schemas.microsoft.com/office/drawing/2014/main" id="{B6B5E69F-E63D-D134-DFCD-30AE212818E6}"/>
+                <a16:creationId xmlns="" xmlns:a16="http://schemas.microsoft.com/office/drawing/2014/main" id="{B6B5E69F-E63D-D134-DFCD-30AE212818E6}"/>
               </a:ext>
             </a:extLst>
           </p:cNvPr>
@@ -2170,7 +2170,7 @@
           <p:cNvPr id="2" name="Titre 1">
             <a:extLst>
               <a:ext uri="{FF2B5EF4-FFF2-40B4-BE49-F238E27FC236}">
-                <a16:creationId xmlns:a16="http://schemas.microsoft.com/office/drawing/2014/main" id="{17EBE0ED-EA49-E4F6-855C-82662C7B8A3A}"/>
+                <a16:creationId xmlns="" xmlns:a16="http://schemas.microsoft.com/office/drawing/2014/main" id="{17EBE0ED-EA49-E4F6-855C-82662C7B8A3A}"/>
               </a:ext>
             </a:extLst>
           </p:cNvPr>
@@ -2207,7 +2207,7 @@
           <p:cNvPr id="3" name="Espace réservé du contenu 2">
             <a:extLst>
               <a:ext uri="{FF2B5EF4-FFF2-40B4-BE49-F238E27FC236}">
-                <a16:creationId xmlns:a16="http://schemas.microsoft.com/office/drawing/2014/main" id="{1AC243CC-2A26-FAE9-D40F-E53047AEA448}"/>
+                <a16:creationId xmlns="" xmlns:a16="http://schemas.microsoft.com/office/drawing/2014/main" id="{1AC243CC-2A26-FAE9-D40F-E53047AEA448}"/>
               </a:ext>
             </a:extLst>
           </p:cNvPr>
@@ -2297,7 +2297,7 @@
           <p:cNvPr id="4" name="Espace réservé du texte 3">
             <a:extLst>
               <a:ext uri="{FF2B5EF4-FFF2-40B4-BE49-F238E27FC236}">
-                <a16:creationId xmlns:a16="http://schemas.microsoft.com/office/drawing/2014/main" id="{AA91ABD4-95B0-9723-F6DF-A1D283481317}"/>
+                <a16:creationId xmlns="" xmlns:a16="http://schemas.microsoft.com/office/drawing/2014/main" id="{AA91ABD4-95B0-9723-F6DF-A1D283481317}"/>
               </a:ext>
             </a:extLst>
           </p:cNvPr>
@@ -2368,7 +2368,7 @@
           <p:cNvPr id="5" name="Espace réservé de la date 4">
             <a:extLst>
               <a:ext uri="{FF2B5EF4-FFF2-40B4-BE49-F238E27FC236}">
-                <a16:creationId xmlns:a16="http://schemas.microsoft.com/office/drawing/2014/main" id="{5FCF6D02-DC3C-9937-AA41-C7F7C45E3D5B}"/>
+                <a16:creationId xmlns="" xmlns:a16="http://schemas.microsoft.com/office/drawing/2014/main" id="{5FCF6D02-DC3C-9937-AA41-C7F7C45E3D5B}"/>
               </a:ext>
             </a:extLst>
           </p:cNvPr>
@@ -2386,7 +2386,7 @@
           <a:p>
             <a:fld id="{9753BC72-5998-4B28-B41A-9B7A35260532}" type="datetimeFigureOut">
               <a:rPr lang="fr-FR" smtClean="0"/>
-              <a:t>09/06/2024</a:t>
+              <a:t>09/11/2025</a:t>
             </a:fld>
             <a:endParaRPr lang="fr-FR"/>
           </a:p>
@@ -2397,7 +2397,7 @@
           <p:cNvPr id="6" name="Espace réservé du pied de page 5">
             <a:extLst>
               <a:ext uri="{FF2B5EF4-FFF2-40B4-BE49-F238E27FC236}">
-                <a16:creationId xmlns:a16="http://schemas.microsoft.com/office/drawing/2014/main" id="{153AAC97-7E7A-50A1-ED0D-04187D3DB946}"/>
+                <a16:creationId xmlns="" xmlns:a16="http://schemas.microsoft.com/office/drawing/2014/main" id="{153AAC97-7E7A-50A1-ED0D-04187D3DB946}"/>
               </a:ext>
             </a:extLst>
           </p:cNvPr>
@@ -2422,7 +2422,7 @@
           <p:cNvPr id="7" name="Espace réservé du numéro de diapositive 6">
             <a:extLst>
               <a:ext uri="{FF2B5EF4-FFF2-40B4-BE49-F238E27FC236}">
-                <a16:creationId xmlns:a16="http://schemas.microsoft.com/office/drawing/2014/main" id="{7CB1E6C5-4F53-F247-D346-F0E70BCF46BB}"/>
+                <a16:creationId xmlns="" xmlns:a16="http://schemas.microsoft.com/office/drawing/2014/main" id="{7CB1E6C5-4F53-F247-D346-F0E70BCF46BB}"/>
               </a:ext>
             </a:extLst>
           </p:cNvPr>
@@ -2481,7 +2481,7 @@
           <p:cNvPr id="2" name="Titre 1">
             <a:extLst>
               <a:ext uri="{FF2B5EF4-FFF2-40B4-BE49-F238E27FC236}">
-                <a16:creationId xmlns:a16="http://schemas.microsoft.com/office/drawing/2014/main" id="{50F8C202-3C8D-B51C-02CC-301A6101248C}"/>
+                <a16:creationId xmlns="" xmlns:a16="http://schemas.microsoft.com/office/drawing/2014/main" id="{50F8C202-3C8D-B51C-02CC-301A6101248C}"/>
               </a:ext>
             </a:extLst>
           </p:cNvPr>
@@ -2518,7 +2518,7 @@
           <p:cNvPr id="3" name="Espace réservé pour une image  2">
             <a:extLst>
               <a:ext uri="{FF2B5EF4-FFF2-40B4-BE49-F238E27FC236}">
-                <a16:creationId xmlns:a16="http://schemas.microsoft.com/office/drawing/2014/main" id="{CFB8FF98-B7BA-9747-7679-0331A82DDCC3}"/>
+                <a16:creationId xmlns="" xmlns:a16="http://schemas.microsoft.com/office/drawing/2014/main" id="{CFB8FF98-B7BA-9747-7679-0331A82DDCC3}"/>
               </a:ext>
             </a:extLst>
           </p:cNvPr>
@@ -2585,7 +2585,7 @@
           <p:cNvPr id="4" name="Espace réservé du texte 3">
             <a:extLst>
               <a:ext uri="{FF2B5EF4-FFF2-40B4-BE49-F238E27FC236}">
-                <a16:creationId xmlns:a16="http://schemas.microsoft.com/office/drawing/2014/main" id="{06874E8F-6486-3492-616B-3C0BC0F4B2DE}"/>
+                <a16:creationId xmlns="" xmlns:a16="http://schemas.microsoft.com/office/drawing/2014/main" id="{06874E8F-6486-3492-616B-3C0BC0F4B2DE}"/>
               </a:ext>
             </a:extLst>
           </p:cNvPr>
@@ -2656,7 +2656,7 @@
           <p:cNvPr id="5" name="Espace réservé de la date 4">
             <a:extLst>
               <a:ext uri="{FF2B5EF4-FFF2-40B4-BE49-F238E27FC236}">
-                <a16:creationId xmlns:a16="http://schemas.microsoft.com/office/drawing/2014/main" id="{3DFD778E-266C-5454-5860-66E921F94FDC}"/>
+                <a16:creationId xmlns="" xmlns:a16="http://schemas.microsoft.com/office/drawing/2014/main" id="{3DFD778E-266C-5454-5860-66E921F94FDC}"/>
               </a:ext>
             </a:extLst>
           </p:cNvPr>
@@ -2674,7 +2674,7 @@
           <a:p>
             <a:fld id="{9753BC72-5998-4B28-B41A-9B7A35260532}" type="datetimeFigureOut">
               <a:rPr lang="fr-FR" smtClean="0"/>
-              <a:t>09/06/2024</a:t>
+              <a:t>09/11/2025</a:t>
             </a:fld>
             <a:endParaRPr lang="fr-FR"/>
           </a:p>
@@ -2685,7 +2685,7 @@
           <p:cNvPr id="6" name="Espace réservé du pied de page 5">
             <a:extLst>
               <a:ext uri="{FF2B5EF4-FFF2-40B4-BE49-F238E27FC236}">
-                <a16:creationId xmlns:a16="http://schemas.microsoft.com/office/drawing/2014/main" id="{A3A898B7-CF48-C600-C51B-650883AA8E84}"/>
+                <a16:creationId xmlns="" xmlns:a16="http://schemas.microsoft.com/office/drawing/2014/main" id="{A3A898B7-CF48-C600-C51B-650883AA8E84}"/>
               </a:ext>
             </a:extLst>
           </p:cNvPr>
@@ -2710,7 +2710,7 @@
           <p:cNvPr id="7" name="Espace réservé du numéro de diapositive 6">
             <a:extLst>
               <a:ext uri="{FF2B5EF4-FFF2-40B4-BE49-F238E27FC236}">
-                <a16:creationId xmlns:a16="http://schemas.microsoft.com/office/drawing/2014/main" id="{A2F39C97-A089-2862-6967-9F812C6F23A8}"/>
+                <a16:creationId xmlns="" xmlns:a16="http://schemas.microsoft.com/office/drawing/2014/main" id="{A2F39C97-A089-2862-6967-9F812C6F23A8}"/>
               </a:ext>
             </a:extLst>
           </p:cNvPr>
@@ -2774,7 +2774,7 @@
           <p:cNvPr id="2" name="Espace réservé du titre 1">
             <a:extLst>
               <a:ext uri="{FF2B5EF4-FFF2-40B4-BE49-F238E27FC236}">
-                <a16:creationId xmlns:a16="http://schemas.microsoft.com/office/drawing/2014/main" id="{D77B92F7-547F-FAC1-D431-6EFFFF838F2A}"/>
+                <a16:creationId xmlns="" xmlns:a16="http://schemas.microsoft.com/office/drawing/2014/main" id="{D77B92F7-547F-FAC1-D431-6EFFFF838F2A}"/>
               </a:ext>
             </a:extLst>
           </p:cNvPr>
@@ -2812,7 +2812,7 @@
           <p:cNvPr id="3" name="Espace réservé du texte 2">
             <a:extLst>
               <a:ext uri="{FF2B5EF4-FFF2-40B4-BE49-F238E27FC236}">
-                <a16:creationId xmlns:a16="http://schemas.microsoft.com/office/drawing/2014/main" id="{2A01A32D-2027-5508-364C-352803B30AC5}"/>
+                <a16:creationId xmlns="" xmlns:a16="http://schemas.microsoft.com/office/drawing/2014/main" id="{2A01A32D-2027-5508-364C-352803B30AC5}"/>
               </a:ext>
             </a:extLst>
           </p:cNvPr>
@@ -2879,7 +2879,7 @@
           <p:cNvPr id="4" name="Espace réservé de la date 3">
             <a:extLst>
               <a:ext uri="{FF2B5EF4-FFF2-40B4-BE49-F238E27FC236}">
-                <a16:creationId xmlns:a16="http://schemas.microsoft.com/office/drawing/2014/main" id="{6BDB9C59-D0B4-8A15-FC10-02E5A280725B}"/>
+                <a16:creationId xmlns="" xmlns:a16="http://schemas.microsoft.com/office/drawing/2014/main" id="{6BDB9C59-D0B4-8A15-FC10-02E5A280725B}"/>
               </a:ext>
             </a:extLst>
           </p:cNvPr>
@@ -2915,7 +2915,7 @@
           <a:p>
             <a:fld id="{9753BC72-5998-4B28-B41A-9B7A35260532}" type="datetimeFigureOut">
               <a:rPr lang="fr-FR" smtClean="0"/>
-              <a:t>09/06/2024</a:t>
+              <a:t>09/11/2025</a:t>
             </a:fld>
             <a:endParaRPr lang="fr-FR"/>
           </a:p>
@@ -2926,7 +2926,7 @@
           <p:cNvPr id="5" name="Espace réservé du pied de page 4">
             <a:extLst>
               <a:ext uri="{FF2B5EF4-FFF2-40B4-BE49-F238E27FC236}">
-                <a16:creationId xmlns:a16="http://schemas.microsoft.com/office/drawing/2014/main" id="{01EA6BB1-ACAC-524D-5CD2-12128ABF3B55}"/>
+                <a16:creationId xmlns="" xmlns:a16="http://schemas.microsoft.com/office/drawing/2014/main" id="{01EA6BB1-ACAC-524D-5CD2-12128ABF3B55}"/>
               </a:ext>
             </a:extLst>
           </p:cNvPr>
@@ -2969,7 +2969,7 @@
           <p:cNvPr id="6" name="Espace réservé du numéro de diapositive 5">
             <a:extLst>
               <a:ext uri="{FF2B5EF4-FFF2-40B4-BE49-F238E27FC236}">
-                <a16:creationId xmlns:a16="http://schemas.microsoft.com/office/drawing/2014/main" id="{6F28F991-5D2C-9E99-AA95-BC0B1395B25D}"/>
+                <a16:creationId xmlns="" xmlns:a16="http://schemas.microsoft.com/office/drawing/2014/main" id="{6F28F991-5D2C-9E99-AA95-BC0B1395B25D}"/>
               </a:ext>
             </a:extLst>
           </p:cNvPr>
@@ -3337,7 +3337,7 @@
           <p:cNvPr id="2" name="Titre 1">
             <a:extLst>
               <a:ext uri="{FF2B5EF4-FFF2-40B4-BE49-F238E27FC236}">
-                <a16:creationId xmlns:a16="http://schemas.microsoft.com/office/drawing/2014/main" id="{70BED361-536D-44B5-B737-E22F9FDA3506}"/>
+                <a16:creationId xmlns="" xmlns:a16="http://schemas.microsoft.com/office/drawing/2014/main" id="{70BED361-536D-44B5-B737-E22F9FDA3506}"/>
               </a:ext>
             </a:extLst>
           </p:cNvPr>
@@ -3392,7 +3392,7 @@
           <p:cNvPr id="3" name="Sous-titre 2">
             <a:extLst>
               <a:ext uri="{FF2B5EF4-FFF2-40B4-BE49-F238E27FC236}">
-                <a16:creationId xmlns:a16="http://schemas.microsoft.com/office/drawing/2014/main" id="{947AF588-0A88-8649-1001-76CEA95FE57F}"/>
+                <a16:creationId xmlns="" xmlns:a16="http://schemas.microsoft.com/office/drawing/2014/main" id="{947AF588-0A88-8649-1001-76CEA95FE57F}"/>
               </a:ext>
             </a:extLst>
           </p:cNvPr>
@@ -3447,7 +3447,7 @@
           <p:cNvPr id="5" name="ZoneTexte 4">
             <a:extLst>
               <a:ext uri="{FF2B5EF4-FFF2-40B4-BE49-F238E27FC236}">
-                <a16:creationId xmlns:a16="http://schemas.microsoft.com/office/drawing/2014/main" id="{73457B88-FDF7-809D-ABA0-2E5992184D12}"/>
+                <a16:creationId xmlns="" xmlns:a16="http://schemas.microsoft.com/office/drawing/2014/main" id="{73457B88-FDF7-809D-ABA0-2E5992184D12}"/>
               </a:ext>
             </a:extLst>
           </p:cNvPr>
@@ -3500,27 +3500,35 @@
           <a:p>
             <a:pPr algn="ctr"/>
             <a:r>
-              <a:rPr lang="fr-FR" sz="7200" b="1" dirty="0" err="1"/>
-              <a:t>Raha</a:t>
-            </a:r>
-            <a:r>
-              <a:rPr lang="fr-FR" sz="7200" b="1" dirty="0"/>
+              <a:rPr lang="fr-FR" sz="7200" b="1" dirty="0" err="1" smtClean="0"/>
+              <a:t>Ny</a:t>
+            </a:r>
+            <a:r>
+              <a:rPr lang="fr-FR" sz="7200" b="1" dirty="0" smtClean="0"/>
               <a:t> </a:t>
             </a:r>
             <a:r>
-              <a:rPr lang="fr-FR" sz="7200" b="1" dirty="0" err="1"/>
-              <a:t>misy</a:t>
-            </a:r>
-            <a:r>
-              <a:rPr lang="fr-FR" sz="7200" b="1" dirty="0"/>
+              <a:rPr lang="fr-FR" sz="7200" b="1" dirty="0" err="1" smtClean="0"/>
+              <a:t>asy</a:t>
+            </a:r>
+            <a:r>
+              <a:rPr lang="fr-FR" sz="7200" b="1" dirty="0" smtClean="0"/>
               <a:t> </a:t>
             </a:r>
             <a:r>
-              <a:rPr lang="fr-FR" sz="7200" b="1" dirty="0" err="1"/>
+              <a:rPr lang="fr-FR" sz="7200" b="1" dirty="0" err="1" smtClean="0"/>
+              <a:t>sy</a:t>
+            </a:r>
+            <a:r>
+              <a:rPr lang="fr-FR" sz="7200" b="1" dirty="0" smtClean="0"/>
+              <a:t> </a:t>
+            </a:r>
+            <a:r>
+              <a:rPr lang="fr-FR" sz="7200" b="1" dirty="0" err="1" smtClean="0"/>
               <a:t>loza</a:t>
             </a:r>
             <a:r>
-              <a:rPr lang="fr-FR" sz="7200" b="1" dirty="0"/>
+              <a:rPr lang="fr-FR" sz="7200" b="1" dirty="0" smtClean="0"/>
               <a:t> </a:t>
             </a:r>
             <a:r>
@@ -3604,6 +3612,13 @@
   <p:clrMapOvr>
     <a:masterClrMapping/>
   </p:clrMapOvr>
+  <p:timing>
+    <p:tnLst>
+      <p:par>
+        <p:cTn id="1" dur="indefinite" restart="never" nodeType="tmRoot"/>
+      </p:par>
+    </p:tnLst>
+  </p:timing>
 </p:sld>
 </file>
 
@@ -3629,7 +3644,7 @@
           <p:cNvPr id="3" name="ZoneTexte 2">
             <a:extLst>
               <a:ext uri="{FF2B5EF4-FFF2-40B4-BE49-F238E27FC236}">
-                <a16:creationId xmlns:a16="http://schemas.microsoft.com/office/drawing/2014/main" id="{D33CA3FC-31D2-3B6C-DFEE-73FB04103C89}"/>
+                <a16:creationId xmlns="" xmlns:a16="http://schemas.microsoft.com/office/drawing/2014/main" id="{D33CA3FC-31D2-3B6C-DFEE-73FB04103C89}"/>
               </a:ext>
             </a:extLst>
           </p:cNvPr>
@@ -4068,6 +4083,13 @@
   <p:clrMapOvr>
     <a:masterClrMapping/>
   </p:clrMapOvr>
+  <p:timing>
+    <p:tnLst>
+      <p:par>
+        <p:cTn id="1" dur="indefinite" restart="never" nodeType="tmRoot"/>
+      </p:par>
+    </p:tnLst>
+  </p:timing>
 </p:sld>
 </file>
 
@@ -4093,7 +4115,7 @@
           <p:cNvPr id="3" name="ZoneTexte 2">
             <a:extLst>
               <a:ext uri="{FF2B5EF4-FFF2-40B4-BE49-F238E27FC236}">
-                <a16:creationId xmlns:a16="http://schemas.microsoft.com/office/drawing/2014/main" id="{B3C331DB-8F68-61E7-6D87-4CFE0A866B63}"/>
+                <a16:creationId xmlns="" xmlns:a16="http://schemas.microsoft.com/office/drawing/2014/main" id="{B3C331DB-8F68-61E7-6D87-4CFE0A866B63}"/>
               </a:ext>
             </a:extLst>
           </p:cNvPr>
@@ -4246,6 +4268,13 @@
   <p:clrMapOvr>
     <a:masterClrMapping/>
   </p:clrMapOvr>
+  <p:timing>
+    <p:tnLst>
+      <p:par>
+        <p:cTn id="1" dur="indefinite" restart="never" nodeType="tmRoot"/>
+      </p:par>
+    </p:tnLst>
+  </p:timing>
 </p:sld>
 </file>
 
@@ -4271,7 +4300,7 @@
           <p:cNvPr id="3" name="ZoneTexte 2">
             <a:extLst>
               <a:ext uri="{FF2B5EF4-FFF2-40B4-BE49-F238E27FC236}">
-                <a16:creationId xmlns:a16="http://schemas.microsoft.com/office/drawing/2014/main" id="{D33CA3FC-31D2-3B6C-DFEE-73FB04103C89}"/>
+                <a16:creationId xmlns="" xmlns:a16="http://schemas.microsoft.com/office/drawing/2014/main" id="{D33CA3FC-31D2-3B6C-DFEE-73FB04103C89}"/>
               </a:ext>
             </a:extLst>
           </p:cNvPr>
@@ -4710,6 +4739,13 @@
   <p:clrMapOvr>
     <a:masterClrMapping/>
   </p:clrMapOvr>
+  <p:timing>
+    <p:tnLst>
+      <p:par>
+        <p:cTn id="1" dur="indefinite" restart="never" nodeType="tmRoot"/>
+      </p:par>
+    </p:tnLst>
+  </p:timing>
 </p:sld>
 </file>
 
@@ -4735,7 +4771,7 @@
           <p:cNvPr id="3" name="ZoneTexte 2">
             <a:extLst>
               <a:ext uri="{FF2B5EF4-FFF2-40B4-BE49-F238E27FC236}">
-                <a16:creationId xmlns:a16="http://schemas.microsoft.com/office/drawing/2014/main" id="{0F800777-BCD8-361D-ACE3-20BDC4F4BEC2}"/>
+                <a16:creationId xmlns="" xmlns:a16="http://schemas.microsoft.com/office/drawing/2014/main" id="{0F800777-BCD8-361D-ACE3-20BDC4F4BEC2}"/>
               </a:ext>
             </a:extLst>
           </p:cNvPr>
@@ -5123,6 +5159,13 @@
   <p:clrMapOvr>
     <a:masterClrMapping/>
   </p:clrMapOvr>
+  <p:timing>
+    <p:tnLst>
+      <p:par>
+        <p:cTn id="1" dur="indefinite" restart="never" nodeType="tmRoot"/>
+      </p:par>
+    </p:tnLst>
+  </p:timing>
 </p:sld>
 </file>
 
@@ -5148,7 +5191,7 @@
           <p:cNvPr id="3" name="ZoneTexte 2">
             <a:extLst>
               <a:ext uri="{FF2B5EF4-FFF2-40B4-BE49-F238E27FC236}">
-                <a16:creationId xmlns:a16="http://schemas.microsoft.com/office/drawing/2014/main" id="{D33CA3FC-31D2-3B6C-DFEE-73FB04103C89}"/>
+                <a16:creationId xmlns="" xmlns:a16="http://schemas.microsoft.com/office/drawing/2014/main" id="{D33CA3FC-31D2-3B6C-DFEE-73FB04103C89}"/>
               </a:ext>
             </a:extLst>
           </p:cNvPr>
@@ -5587,6 +5630,13 @@
   <p:clrMapOvr>
     <a:masterClrMapping/>
   </p:clrMapOvr>
+  <p:timing>
+    <p:tnLst>
+      <p:par>
+        <p:cTn id="1" dur="indefinite" restart="never" nodeType="tmRoot"/>
+      </p:par>
+    </p:tnLst>
+  </p:timing>
 </p:sld>
 </file>
 
